--- a/presentations/DiscussionWeek3.pptx
+++ b/presentations/DiscussionWeek3.pptx
@@ -9,6 +9,9 @@
     <p:sldId id="257" r:id="rId3"/>
     <p:sldId id="258" r:id="rId4"/>
     <p:sldId id="259" r:id="rId5"/>
+    <p:sldId id="260" r:id="rId6"/>
+    <p:sldId id="261" r:id="rId7"/>
+    <p:sldId id="262" r:id="rId8"/>
   </p:sldIdLst>
   <p:sldSz cx="9144000" cy="6858000" type="screen4x3"/>
   <p:notesSz cx="6858000" cy="9144000"/>
@@ -3154,6 +3157,13 @@
   <p:clrMapOvr>
     <a:masterClrMapping/>
   </p:clrMapOvr>
+  <p:timing>
+    <p:tnLst>
+      <p:par>
+        <p:cTn xmlns:p14="http://schemas.microsoft.com/office/powerpoint/2010/main" id="1" dur="indefinite" restart="never" nodeType="tmRoot"/>
+      </p:par>
+    </p:tnLst>
+  </p:timing>
 </p:sld>
 </file>
 
@@ -3252,6 +3262,13 @@
   <p:clrMapOvr>
     <a:masterClrMapping/>
   </p:clrMapOvr>
+  <p:timing>
+    <p:tnLst>
+      <p:par>
+        <p:cTn xmlns:p14="http://schemas.microsoft.com/office/powerpoint/2010/main" id="1" dur="indefinite" restart="never" nodeType="tmRoot"/>
+      </p:par>
+    </p:tnLst>
+  </p:timing>
 </p:sld>
 </file>
 
@@ -3291,35 +3308,37 @@
           <a:p>
             <a:r>
               <a:rPr lang="en-US" dirty="0" smtClean="0"/>
-              <a:t>Examples from class : Recall the </a:t>
-            </a:r>
-            <a:r>
-              <a:rPr lang="en-US" smtClean="0"/>
-              <a:t>sample database</a:t>
+              <a:t>Examples from class : Recall the sample database</a:t>
             </a:r>
             <a:endParaRPr lang="en-US" dirty="0"/>
           </a:p>
         </p:txBody>
       </p:sp>
-      <p:sp>
-        <p:nvSpPr>
-          <p:cNvPr id="3" name="Content Placeholder 2"/>
-          <p:cNvSpPr>
-            <a:spLocks noGrp="1"/>
-          </p:cNvSpPr>
+      <p:pic>
+        <p:nvPicPr>
+          <p:cNvPr id="4" name="Content Placeholder 3" descr="sampledatabase.jpg"/>
+          <p:cNvPicPr>
+            <a:picLocks noGrp="1" noChangeAspect="1"/>
+          </p:cNvPicPr>
           <p:nvPr>
             <p:ph idx="1"/>
           </p:nvPr>
-        </p:nvSpPr>
-        <p:spPr/>
-        <p:txBody>
-          <a:bodyPr/>
-          <a:lstStyle/>
-          <a:p>
-            <a:endParaRPr lang="en-US" dirty="0"/>
-          </a:p>
-        </p:txBody>
-      </p:sp>
+        </p:nvPicPr>
+        <p:blipFill>
+          <a:blip r:embed="rId2">
+            <a:extLst>
+              <a:ext uri="{28A0092B-C50C-407E-A947-70E740481C1C}">
+                <a14:useLocalDpi xmlns:a14="http://schemas.microsoft.com/office/drawing/2010/main" val="0"/>
+              </a:ext>
+            </a:extLst>
+          </a:blip>
+          <a:srcRect l="-4349" r="-4349"/>
+          <a:stretch>
+            <a:fillRect/>
+          </a:stretch>
+        </p:blipFill>
+        <p:spPr/>
+      </p:pic>
     </p:spTree>
     <p:extLst>
       <p:ext uri="{BB962C8B-B14F-4D97-AF65-F5344CB8AC3E}">
@@ -3330,6 +3349,13 @@
   <p:clrMapOvr>
     <a:masterClrMapping/>
   </p:clrMapOvr>
+  <p:timing>
+    <p:tnLst>
+      <p:par>
+        <p:cTn xmlns:p14="http://schemas.microsoft.com/office/powerpoint/2010/main" id="1" dur="indefinite" restart="never" nodeType="tmRoot"/>
+      </p:par>
+    </p:tnLst>
+  </p:timing>
 </p:sld>
 </file>
 
@@ -3385,10 +3411,198 @@
         </p:nvSpPr>
         <p:spPr/>
         <p:txBody>
-          <a:bodyPr/>
-          <a:lstStyle/>
-          <a:p>
-            <a:endParaRPr lang="en-US" dirty="0"/>
+          <a:bodyPr>
+            <a:normAutofit fontScale="92500" lnSpcReduction="10000"/>
+          </a:bodyPr>
+          <a:lstStyle/>
+          <a:p>
+            <a:pPr marL="0" indent="0">
+              <a:buNone/>
+            </a:pPr>
+            <a:r>
+              <a:rPr lang="en-US" sz="2400" dirty="0" smtClean="0"/>
+              <a:t>Produce </a:t>
+            </a:r>
+            <a:r>
+              <a:rPr lang="en-US" sz="2400" dirty="0"/>
+              <a:t>a table where each row has the name of a </a:t>
+            </a:r>
+            <a:r>
+              <a:rPr lang="en-US" sz="2400" dirty="0" smtClean="0"/>
+              <a:t>CSE 135 </a:t>
+            </a:r>
+            <a:r>
+              <a:rPr lang="en-US" sz="2400" dirty="0"/>
+              <a:t>student and the name of another class he/she </a:t>
+            </a:r>
+            <a:r>
+              <a:rPr lang="en-US" sz="2400" dirty="0" smtClean="0"/>
+              <a:t>takes.</a:t>
+            </a:r>
+          </a:p>
+          <a:p>
+            <a:pPr marL="0" indent="0">
+              <a:buNone/>
+            </a:pPr>
+            <a:endParaRPr lang="en-US" sz="2400" dirty="0"/>
+          </a:p>
+          <a:p>
+            <a:pPr marL="0" indent="0">
+              <a:buNone/>
+            </a:pPr>
+            <a:r>
+              <a:rPr lang="en-US" sz="2400" dirty="0" smtClean="0"/>
+              <a:t>SELECT  	</a:t>
+            </a:r>
+            <a:r>
+              <a:rPr lang="en-US" sz="2400" dirty="0" err="1" smtClean="0"/>
+              <a:t>c_others.name,first_name,last_name</a:t>
+            </a:r>
+            <a:endParaRPr lang="en-US" sz="2400" dirty="0" smtClean="0"/>
+          </a:p>
+          <a:p>
+            <a:pPr marL="0" indent="0">
+              <a:buNone/>
+            </a:pPr>
+            <a:r>
+              <a:rPr lang="en-US" sz="2400" dirty="0" smtClean="0"/>
+              <a:t>FROM    	classes AS c_135, enrollment AS e_135,</a:t>
+            </a:r>
+          </a:p>
+          <a:p>
+            <a:pPr marL="0" indent="0">
+              <a:buNone/>
+            </a:pPr>
+            <a:r>
+              <a:rPr lang="en-US" sz="2400" dirty="0" smtClean="0"/>
+              <a:t>        		students, enrollment AS </a:t>
+            </a:r>
+            <a:r>
+              <a:rPr lang="en-US" sz="2400" dirty="0" err="1" smtClean="0"/>
+              <a:t>e_others</a:t>
+            </a:r>
+            <a:r>
+              <a:rPr lang="en-US" sz="2400" dirty="0" smtClean="0"/>
+              <a:t>, classes AS </a:t>
+            </a:r>
+            <a:r>
+              <a:rPr lang="en-US" sz="2400" dirty="0" err="1" smtClean="0"/>
+              <a:t>c_others</a:t>
+            </a:r>
+            <a:endParaRPr lang="en-US" sz="2400" dirty="0" smtClean="0"/>
+          </a:p>
+          <a:p>
+            <a:pPr marL="0" indent="0">
+              <a:buNone/>
+            </a:pPr>
+            <a:r>
+              <a:rPr lang="en-US" sz="2400" dirty="0" smtClean="0"/>
+              <a:t>WHERE   	c_135.number = 'CSE135' </a:t>
+            </a:r>
+          </a:p>
+          <a:p>
+            <a:pPr marL="0" indent="0">
+              <a:buNone/>
+            </a:pPr>
+            <a:r>
+              <a:rPr lang="en-US" sz="2400" dirty="0" smtClean="0"/>
+              <a:t>			AND c_135.id = e_135.class </a:t>
+            </a:r>
+          </a:p>
+          <a:p>
+            <a:pPr marL="0" indent="0">
+              <a:buNone/>
+            </a:pPr>
+            <a:r>
+              <a:rPr lang="en-US" sz="2400" dirty="0" smtClean="0"/>
+              <a:t>			AND e_135.student = </a:t>
+            </a:r>
+            <a:r>
+              <a:rPr lang="en-US" sz="2400" dirty="0" err="1" smtClean="0"/>
+              <a:t>students.id</a:t>
+            </a:r>
+            <a:endParaRPr lang="en-US" sz="2400" dirty="0" smtClean="0"/>
+          </a:p>
+          <a:p>
+            <a:pPr marL="0" indent="0">
+              <a:buNone/>
+            </a:pPr>
+            <a:r>
+              <a:rPr lang="en-US" sz="2400" dirty="0" smtClean="0"/>
+              <a:t>        		AND </a:t>
+            </a:r>
+            <a:r>
+              <a:rPr lang="en-US" sz="2400" dirty="0" err="1" smtClean="0"/>
+              <a:t>students.id</a:t>
+            </a:r>
+            <a:r>
+              <a:rPr lang="en-US" sz="2400" dirty="0" smtClean="0"/>
+              <a:t> = </a:t>
+            </a:r>
+            <a:r>
+              <a:rPr lang="en-US" sz="2400" dirty="0" err="1" smtClean="0"/>
+              <a:t>e_others.student</a:t>
+            </a:r>
+            <a:r>
+              <a:rPr lang="en-US" sz="2400" dirty="0" smtClean="0"/>
+              <a:t>   </a:t>
+            </a:r>
+          </a:p>
+          <a:p>
+            <a:pPr marL="0" indent="0">
+              <a:buNone/>
+            </a:pPr>
+            <a:r>
+              <a:rPr lang="en-US" sz="2400" dirty="0" smtClean="0"/>
+              <a:t>        		AND </a:t>
+            </a:r>
+            <a:r>
+              <a:rPr lang="en-US" sz="2400" dirty="0" err="1" smtClean="0"/>
+              <a:t>e_others.class</a:t>
+            </a:r>
+            <a:r>
+              <a:rPr lang="en-US" sz="2400" dirty="0" smtClean="0"/>
+              <a:t> = </a:t>
+            </a:r>
+            <a:r>
+              <a:rPr lang="en-US" sz="2400" dirty="0" err="1" smtClean="0"/>
+              <a:t>c_others.id</a:t>
+            </a:r>
+            <a:r>
+              <a:rPr lang="en-US" sz="2400" dirty="0" smtClean="0"/>
+              <a:t> </a:t>
+            </a:r>
+          </a:p>
+          <a:p>
+            <a:pPr marL="0" indent="0">
+              <a:buNone/>
+            </a:pPr>
+            <a:r>
+              <a:rPr lang="en-US" sz="2400" dirty="0" smtClean="0"/>
+              <a:t>			AND NOT (</a:t>
+            </a:r>
+            <a:r>
+              <a:rPr lang="en-US" sz="2400" dirty="0" err="1" smtClean="0"/>
+              <a:t>c_others.number</a:t>
+            </a:r>
+            <a:r>
+              <a:rPr lang="en-US" sz="2400" dirty="0" smtClean="0"/>
+              <a:t> = 'CSE135');</a:t>
+            </a:r>
+          </a:p>
+          <a:p>
+            <a:pPr marL="0" indent="0">
+              <a:buNone/>
+            </a:pPr>
+            <a:endParaRPr lang="en-US" sz="2400" dirty="0" smtClean="0">
+              <a:effectLst/>
+            </a:endParaRPr>
+          </a:p>
+          <a:p>
+            <a:pPr marL="0" indent="0">
+              <a:buNone/>
+            </a:pPr>
+            <a:endParaRPr lang="en-US" sz="2400" dirty="0"/>
           </a:p>
         </p:txBody>
       </p:sp>
@@ -3402,6 +3616,562 @@
   <p:clrMapOvr>
     <a:masterClrMapping/>
   </p:clrMapOvr>
+  <p:timing>
+    <p:tnLst>
+      <p:par>
+        <p:cTn xmlns:p14="http://schemas.microsoft.com/office/powerpoint/2010/main" id="1" dur="indefinite" restart="never" nodeType="tmRoot"/>
+      </p:par>
+    </p:tnLst>
+  </p:timing>
+</p:sld>
+</file>
+
+<file path=ppt/slides/slide5.xml><?xml version="1.0" encoding="utf-8"?>
+<p:sld xmlns:a="http://schemas.openxmlformats.org/drawingml/2006/main" xmlns:r="http://schemas.openxmlformats.org/officeDocument/2006/relationships" xmlns:p="http://schemas.openxmlformats.org/presentationml/2006/main">
+  <p:cSld>
+    <p:spTree>
+      <p:nvGrpSpPr>
+        <p:cNvPr id="1" name=""/>
+        <p:cNvGrpSpPr/>
+        <p:nvPr/>
+      </p:nvGrpSpPr>
+      <p:grpSpPr>
+        <a:xfrm>
+          <a:off x="0" y="0"/>
+          <a:ext cx="0" cy="0"/>
+          <a:chOff x="0" y="0"/>
+          <a:chExt cx="0" cy="0"/>
+        </a:xfrm>
+      </p:grpSpPr>
+      <p:sp>
+        <p:nvSpPr>
+          <p:cNvPr id="2" name="Title 1"/>
+          <p:cNvSpPr>
+            <a:spLocks noGrp="1"/>
+          </p:cNvSpPr>
+          <p:nvPr>
+            <p:ph type="title"/>
+          </p:nvPr>
+        </p:nvSpPr>
+        <p:spPr/>
+        <p:txBody>
+          <a:bodyPr/>
+          <a:lstStyle/>
+          <a:p>
+            <a:r>
+              <a:rPr lang="en-US" dirty="0" smtClean="0"/>
+              <a:t>Same Query using Joins</a:t>
+            </a:r>
+            <a:endParaRPr lang="en-US" dirty="0"/>
+          </a:p>
+        </p:txBody>
+      </p:sp>
+      <p:sp>
+        <p:nvSpPr>
+          <p:cNvPr id="5" name="Content Placeholder 4"/>
+          <p:cNvSpPr>
+            <a:spLocks noGrp="1"/>
+          </p:cNvSpPr>
+          <p:nvPr>
+            <p:ph idx="1"/>
+          </p:nvPr>
+        </p:nvSpPr>
+        <p:spPr/>
+        <p:txBody>
+          <a:bodyPr>
+            <a:noAutofit/>
+          </a:bodyPr>
+          <a:lstStyle/>
+          <a:p>
+            <a:pPr marL="0" indent="0">
+              <a:buNone/>
+            </a:pPr>
+            <a:endParaRPr lang="en-US" sz="2000" dirty="0" smtClean="0"/>
+          </a:p>
+          <a:p>
+            <a:pPr marL="0" indent="0">
+              <a:buNone/>
+            </a:pPr>
+            <a:r>
+              <a:rPr lang="en-US" sz="2000" dirty="0" smtClean="0"/>
+              <a:t>SELECT		</a:t>
+            </a:r>
+            <a:r>
+              <a:rPr lang="en-US" sz="2000" dirty="0" err="1" smtClean="0"/>
+              <a:t>c_others.name,first_name,last_name</a:t>
+            </a:r>
+            <a:endParaRPr lang="en-US" sz="2000" dirty="0" smtClean="0"/>
+          </a:p>
+          <a:p>
+            <a:pPr marL="0" indent="0">
+              <a:buNone/>
+            </a:pPr>
+            <a:r>
+              <a:rPr lang="en-US" sz="2000" dirty="0" smtClean="0"/>
+              <a:t>FROM    		classes AS c_135</a:t>
+            </a:r>
+          </a:p>
+          <a:p>
+            <a:pPr marL="0" indent="0">
+              <a:buNone/>
+            </a:pPr>
+            <a:r>
+              <a:rPr lang="en-US" sz="2000" dirty="0" smtClean="0"/>
+              <a:t>			JOIN enrollment AS e_135 ON c_135.id = e_135.class</a:t>
+            </a:r>
+          </a:p>
+          <a:p>
+            <a:pPr marL="0" indent="0">
+              <a:buNone/>
+            </a:pPr>
+            <a:r>
+              <a:rPr lang="en-US" sz="2000" dirty="0" smtClean="0"/>
+              <a:t>			JOIN students ON e_135.student=</a:t>
+            </a:r>
+            <a:r>
+              <a:rPr lang="en-US" sz="2000" dirty="0" err="1" smtClean="0"/>
+              <a:t>students.id</a:t>
+            </a:r>
+            <a:endParaRPr lang="en-US" sz="2000" dirty="0" smtClean="0"/>
+          </a:p>
+          <a:p>
+            <a:pPr marL="0" indent="0">
+              <a:buNone/>
+            </a:pPr>
+            <a:r>
+              <a:rPr lang="en-US" sz="2000" dirty="0" smtClean="0"/>
+              <a:t>			JOIN enrollment AS </a:t>
+            </a:r>
+            <a:r>
+              <a:rPr lang="en-US" sz="2000" dirty="0" err="1" smtClean="0"/>
+              <a:t>e_others</a:t>
+            </a:r>
+            <a:r>
+              <a:rPr lang="en-US" sz="2000" dirty="0" smtClean="0"/>
+              <a:t> ON </a:t>
+            </a:r>
+            <a:r>
+              <a:rPr lang="en-US" sz="2000" dirty="0" err="1" smtClean="0"/>
+              <a:t>students.id</a:t>
+            </a:r>
+            <a:r>
+              <a:rPr lang="en-US" sz="2000" dirty="0" smtClean="0"/>
+              <a:t> = </a:t>
+            </a:r>
+            <a:r>
+              <a:rPr lang="en-US" sz="2000" dirty="0" err="1" smtClean="0"/>
+              <a:t>e_others.student</a:t>
+            </a:r>
+            <a:endParaRPr lang="en-US" sz="2000" dirty="0" smtClean="0"/>
+          </a:p>
+          <a:p>
+            <a:pPr marL="0" indent="0">
+              <a:buNone/>
+            </a:pPr>
+            <a:r>
+              <a:rPr lang="en-US" sz="2000" dirty="0" smtClean="0"/>
+              <a:t>			JOIN classes AS </a:t>
+            </a:r>
+            <a:r>
+              <a:rPr lang="en-US" sz="2000" dirty="0" err="1" smtClean="0"/>
+              <a:t>c_others</a:t>
+            </a:r>
+            <a:r>
+              <a:rPr lang="en-US" sz="2000" dirty="0" smtClean="0"/>
+              <a:t> ON </a:t>
+            </a:r>
+            <a:r>
+              <a:rPr lang="en-US" sz="2000" dirty="0" err="1" smtClean="0"/>
+              <a:t>e_others.class</a:t>
+            </a:r>
+            <a:r>
+              <a:rPr lang="en-US" sz="2000" dirty="0" smtClean="0"/>
+              <a:t> = </a:t>
+            </a:r>
+            <a:r>
+              <a:rPr lang="en-US" sz="2000" dirty="0" err="1" smtClean="0"/>
+              <a:t>c_others.id</a:t>
+            </a:r>
+            <a:r>
+              <a:rPr lang="en-US" sz="2000" dirty="0" smtClean="0"/>
+              <a:t> </a:t>
+            </a:r>
+          </a:p>
+          <a:p>
+            <a:pPr marL="0" indent="0">
+              <a:buNone/>
+            </a:pPr>
+            <a:r>
+              <a:rPr lang="en-US" sz="2000" dirty="0" smtClean="0"/>
+              <a:t>WHERE 	  	c_135.number = 'CSE135'</a:t>
+            </a:r>
+          </a:p>
+          <a:p>
+            <a:pPr marL="0" indent="0">
+              <a:buNone/>
+            </a:pPr>
+            <a:r>
+              <a:rPr lang="en-US" sz="2000" dirty="0" smtClean="0"/>
+              <a:t>			AND NOT (</a:t>
+            </a:r>
+            <a:r>
+              <a:rPr lang="en-US" sz="2000" dirty="0" err="1" smtClean="0"/>
+              <a:t>c_others.number</a:t>
+            </a:r>
+            <a:r>
+              <a:rPr lang="en-US" sz="2000" dirty="0" smtClean="0"/>
+              <a:t> = 'CSE135');</a:t>
+            </a:r>
+            <a:endParaRPr lang="en-US" sz="2000" dirty="0"/>
+          </a:p>
+        </p:txBody>
+      </p:sp>
+    </p:spTree>
+    <p:extLst>
+      <p:ext uri="{BB962C8B-B14F-4D97-AF65-F5344CB8AC3E}">
+        <p14:creationId xmlns:p14="http://schemas.microsoft.com/office/powerpoint/2010/main" val="1851515496"/>
+      </p:ext>
+    </p:extLst>
+  </p:cSld>
+  <p:clrMapOvr>
+    <a:masterClrMapping/>
+  </p:clrMapOvr>
+  <p:timing>
+    <p:tnLst>
+      <p:par>
+        <p:cTn xmlns:p14="http://schemas.microsoft.com/office/powerpoint/2010/main" id="1" dur="indefinite" restart="never" nodeType="tmRoot"/>
+      </p:par>
+    </p:tnLst>
+  </p:timing>
+</p:sld>
+</file>
+
+<file path=ppt/slides/slide6.xml><?xml version="1.0" encoding="utf-8"?>
+<p:sld xmlns:a="http://schemas.openxmlformats.org/drawingml/2006/main" xmlns:r="http://schemas.openxmlformats.org/officeDocument/2006/relationships" xmlns:p="http://schemas.openxmlformats.org/presentationml/2006/main">
+  <p:cSld>
+    <p:spTree>
+      <p:nvGrpSpPr>
+        <p:cNvPr id="1" name=""/>
+        <p:cNvGrpSpPr/>
+        <p:nvPr/>
+      </p:nvGrpSpPr>
+      <p:grpSpPr>
+        <a:xfrm>
+          <a:off x="0" y="0"/>
+          <a:ext cx="0" cy="0"/>
+          <a:chOff x="0" y="0"/>
+          <a:chExt cx="0" cy="0"/>
+        </a:xfrm>
+      </p:grpSpPr>
+      <p:sp>
+        <p:nvSpPr>
+          <p:cNvPr id="2" name="Title 1"/>
+          <p:cNvSpPr>
+            <a:spLocks noGrp="1"/>
+          </p:cNvSpPr>
+          <p:nvPr>
+            <p:ph type="title"/>
+          </p:nvPr>
+        </p:nvSpPr>
+        <p:spPr/>
+        <p:txBody>
+          <a:bodyPr/>
+          <a:lstStyle/>
+          <a:p>
+            <a:r>
+              <a:rPr lang="en-US" dirty="0" smtClean="0"/>
+              <a:t>Sample Query using a </a:t>
+            </a:r>
+            <a:r>
+              <a:rPr lang="en-US" dirty="0" err="1" smtClean="0"/>
+              <a:t>subquery</a:t>
+            </a:r>
+            <a:endParaRPr lang="en-US" dirty="0"/>
+          </a:p>
+        </p:txBody>
+      </p:sp>
+      <p:sp>
+        <p:nvSpPr>
+          <p:cNvPr id="3" name="Content Placeholder 2"/>
+          <p:cNvSpPr>
+            <a:spLocks noGrp="1"/>
+          </p:cNvSpPr>
+          <p:nvPr>
+            <p:ph idx="1"/>
+          </p:nvPr>
+        </p:nvSpPr>
+        <p:spPr/>
+        <p:txBody>
+          <a:bodyPr>
+            <a:normAutofit/>
+          </a:bodyPr>
+          <a:lstStyle/>
+          <a:p>
+            <a:pPr marL="0" indent="0">
+              <a:buNone/>
+            </a:pPr>
+            <a:r>
+              <a:rPr lang="en-US" sz="2000" dirty="0" smtClean="0"/>
+              <a:t>SELECT		</a:t>
+            </a:r>
+            <a:r>
+              <a:rPr lang="en-US" sz="2000" dirty="0" err="1" smtClean="0"/>
+              <a:t>c_others.name</a:t>
+            </a:r>
+            <a:r>
+              <a:rPr lang="en-US" sz="2000" dirty="0" smtClean="0"/>
+              <a:t>, </a:t>
+            </a:r>
+            <a:r>
+              <a:rPr lang="en-US" sz="2000" dirty="0" err="1" smtClean="0"/>
+              <a:t>students.first_name,students.last_name</a:t>
+            </a:r>
+            <a:endParaRPr lang="en-US" sz="2000" dirty="0" smtClean="0"/>
+          </a:p>
+          <a:p>
+            <a:pPr marL="0" indent="0">
+              <a:buNone/>
+            </a:pPr>
+            <a:r>
+              <a:rPr lang="en-US" sz="2000" dirty="0" smtClean="0"/>
+              <a:t>FROM    	enrollment AS </a:t>
+            </a:r>
+            <a:r>
+              <a:rPr lang="en-US" sz="2000" dirty="0" err="1" smtClean="0"/>
+              <a:t>e_others</a:t>
+            </a:r>
+            <a:endParaRPr lang="en-US" sz="2000" dirty="0" smtClean="0"/>
+          </a:p>
+          <a:p>
+            <a:pPr marL="0" indent="0">
+              <a:buNone/>
+            </a:pPr>
+            <a:r>
+              <a:rPr lang="en-US" sz="2000" dirty="0" smtClean="0"/>
+              <a:t>			JOIN classes AS </a:t>
+            </a:r>
+            <a:r>
+              <a:rPr lang="en-US" sz="2000" dirty="0" err="1" smtClean="0"/>
+              <a:t>c_others</a:t>
+            </a:r>
+            <a:r>
+              <a:rPr lang="en-US" sz="2000" dirty="0" smtClean="0"/>
+              <a:t> ON </a:t>
+            </a:r>
+            <a:r>
+              <a:rPr lang="en-US" sz="2000" dirty="0" err="1" smtClean="0"/>
+              <a:t>e_others.class</a:t>
+            </a:r>
+            <a:r>
+              <a:rPr lang="en-US" sz="2000" dirty="0" smtClean="0"/>
+              <a:t> = </a:t>
+            </a:r>
+            <a:r>
+              <a:rPr lang="en-US" sz="2000" dirty="0" err="1" smtClean="0"/>
+              <a:t>c_others.id</a:t>
+            </a:r>
+            <a:endParaRPr lang="en-US" sz="2000" dirty="0" smtClean="0"/>
+          </a:p>
+          <a:p>
+            <a:pPr marL="0" indent="0">
+              <a:buNone/>
+            </a:pPr>
+            <a:r>
+              <a:rPr lang="en-US" sz="2000" dirty="0" smtClean="0"/>
+              <a:t>			JOIN students ON </a:t>
+            </a:r>
+            <a:r>
+              <a:rPr lang="en-US" sz="2000" dirty="0" err="1" smtClean="0"/>
+              <a:t>e_others.student</a:t>
+            </a:r>
+            <a:r>
+              <a:rPr lang="en-US" sz="2000" dirty="0" smtClean="0"/>
+              <a:t>=</a:t>
+            </a:r>
+            <a:r>
+              <a:rPr lang="en-US" sz="2000" dirty="0" err="1" smtClean="0"/>
+              <a:t>students.id</a:t>
+            </a:r>
+            <a:endParaRPr lang="en-US" sz="2000" dirty="0" smtClean="0"/>
+          </a:p>
+          <a:p>
+            <a:pPr marL="0" indent="0">
+              <a:buNone/>
+            </a:pPr>
+            <a:r>
+              <a:rPr lang="en-US" sz="2000" dirty="0" smtClean="0"/>
+              <a:t>WHERE 	  	NOT (</a:t>
+            </a:r>
+            <a:r>
+              <a:rPr lang="en-US" sz="2000" dirty="0" err="1" smtClean="0"/>
+              <a:t>c_others.number</a:t>
+            </a:r>
+            <a:r>
+              <a:rPr lang="en-US" sz="2000" dirty="0" smtClean="0"/>
+              <a:t> = 'CSE135')</a:t>
+            </a:r>
+          </a:p>
+          <a:p>
+            <a:pPr marL="0" indent="0">
+              <a:buNone/>
+            </a:pPr>
+            <a:r>
+              <a:rPr lang="en-US" sz="2000" dirty="0" smtClean="0"/>
+              <a:t>			AND </a:t>
+            </a:r>
+            <a:r>
+              <a:rPr lang="en-US" sz="2000" dirty="0" err="1" smtClean="0"/>
+              <a:t>students.id</a:t>
+            </a:r>
+            <a:r>
+              <a:rPr lang="en-US" sz="2000" dirty="0" smtClean="0"/>
+              <a:t> IN (</a:t>
+            </a:r>
+          </a:p>
+          <a:p>
+            <a:pPr marL="0" indent="0">
+              <a:buNone/>
+            </a:pPr>
+            <a:r>
+              <a:rPr lang="en-US" sz="2000" dirty="0" smtClean="0"/>
+              <a:t>			SELECT		e_135.student</a:t>
+            </a:r>
+          </a:p>
+          <a:p>
+            <a:pPr marL="0" indent="0">
+              <a:buNone/>
+            </a:pPr>
+            <a:r>
+              <a:rPr lang="en-US" sz="2000" dirty="0" smtClean="0"/>
+              <a:t>			FROM		classes AS c_135</a:t>
+            </a:r>
+          </a:p>
+          <a:p>
+            <a:pPr marL="0" indent="0">
+              <a:buNone/>
+            </a:pPr>
+            <a:r>
+              <a:rPr lang="en-US" sz="2000" dirty="0" smtClean="0"/>
+              <a:t>						JOIN enrollment AS e_135 ON c_135.id = e_135.class</a:t>
+            </a:r>
+          </a:p>
+          <a:p>
+            <a:pPr marL="0" indent="0">
+              <a:buNone/>
+            </a:pPr>
+            <a:r>
+              <a:rPr lang="en-US" sz="2000" dirty="0" smtClean="0"/>
+              <a:t>			WHERE 		c_135.number = 'CSE135'</a:t>
+            </a:r>
+          </a:p>
+          <a:p>
+            <a:pPr marL="0" indent="0">
+              <a:buNone/>
+            </a:pPr>
+            <a:r>
+              <a:rPr lang="en-US" sz="2000" dirty="0" smtClean="0"/>
+              <a:t>		);</a:t>
+            </a:r>
+            <a:endParaRPr lang="en-US" sz="2000" dirty="0"/>
+          </a:p>
+        </p:txBody>
+      </p:sp>
+    </p:spTree>
+    <p:extLst>
+      <p:ext uri="{BB962C8B-B14F-4D97-AF65-F5344CB8AC3E}">
+        <p14:creationId xmlns:p14="http://schemas.microsoft.com/office/powerpoint/2010/main" val="1676798884"/>
+      </p:ext>
+    </p:extLst>
+  </p:cSld>
+  <p:clrMapOvr>
+    <a:masterClrMapping/>
+  </p:clrMapOvr>
+  <p:timing>
+    <p:tnLst>
+      <p:par>
+        <p:cTn xmlns:p14="http://schemas.microsoft.com/office/powerpoint/2010/main" id="1" dur="indefinite" restart="never" nodeType="tmRoot"/>
+      </p:par>
+    </p:tnLst>
+  </p:timing>
+</p:sld>
+</file>
+
+<file path=ppt/slides/slide7.xml><?xml version="1.0" encoding="utf-8"?>
+<p:sld xmlns:a="http://schemas.openxmlformats.org/drawingml/2006/main" xmlns:r="http://schemas.openxmlformats.org/officeDocument/2006/relationships" xmlns:p="http://schemas.openxmlformats.org/presentationml/2006/main">
+  <p:cSld>
+    <p:spTree>
+      <p:nvGrpSpPr>
+        <p:cNvPr id="1" name=""/>
+        <p:cNvGrpSpPr/>
+        <p:nvPr/>
+      </p:nvGrpSpPr>
+      <p:grpSpPr>
+        <a:xfrm>
+          <a:off x="0" y="0"/>
+          <a:ext cx="0" cy="0"/>
+          <a:chOff x="0" y="0"/>
+          <a:chExt cx="0" cy="0"/>
+        </a:xfrm>
+      </p:grpSpPr>
+      <p:sp>
+        <p:nvSpPr>
+          <p:cNvPr id="2" name="Title 1"/>
+          <p:cNvSpPr>
+            <a:spLocks noGrp="1"/>
+          </p:cNvSpPr>
+          <p:nvPr>
+            <p:ph type="title"/>
+          </p:nvPr>
+        </p:nvSpPr>
+        <p:spPr/>
+        <p:txBody>
+          <a:bodyPr/>
+          <a:lstStyle/>
+          <a:p>
+            <a:r>
+              <a:rPr lang="en-US" dirty="0" smtClean="0"/>
+              <a:t>Project Setup</a:t>
+            </a:r>
+            <a:endParaRPr lang="en-US" dirty="0"/>
+          </a:p>
+        </p:txBody>
+      </p:sp>
+      <p:sp>
+        <p:nvSpPr>
+          <p:cNvPr id="3" name="Content Placeholder 2"/>
+          <p:cNvSpPr>
+            <a:spLocks noGrp="1"/>
+          </p:cNvSpPr>
+          <p:nvPr>
+            <p:ph idx="1"/>
+          </p:nvPr>
+        </p:nvSpPr>
+        <p:spPr/>
+        <p:txBody>
+          <a:bodyPr/>
+          <a:lstStyle/>
+          <a:p>
+            <a:endParaRPr lang="en-US"/>
+          </a:p>
+        </p:txBody>
+      </p:sp>
+    </p:spTree>
+    <p:extLst>
+      <p:ext uri="{BB962C8B-B14F-4D97-AF65-F5344CB8AC3E}">
+        <p14:creationId xmlns:p14="http://schemas.microsoft.com/office/powerpoint/2010/main" val="1452614361"/>
+      </p:ext>
+    </p:extLst>
+  </p:cSld>
+  <p:clrMapOvr>
+    <a:masterClrMapping/>
+  </p:clrMapOvr>
+  <p:timing>
+    <p:tnLst>
+      <p:par>
+        <p:cTn xmlns:p14="http://schemas.microsoft.com/office/powerpoint/2010/main" id="1" dur="indefinite" restart="never" nodeType="tmRoot"/>
+      </p:par>
+    </p:tnLst>
+  </p:timing>
 </p:sld>
 </file>
 
